--- a/Week 12 - Final Deliverables/Presentation/Surendra-Slides.pptx
+++ b/Week 12 - Final Deliverables/Presentation/Surendra-Slides.pptx
@@ -5,16 +5,17 @@
     <p:sldMasterId id="2147483648" r:id="rId1"/>
   </p:sldMasterIdLst>
   <p:notesMasterIdLst>
-    <p:notesMasterId r:id="rId6"/>
+    <p:notesMasterId r:id="rId7"/>
   </p:notesMasterIdLst>
   <p:handoutMasterIdLst>
-    <p:handoutMasterId r:id="rId7"/>
+    <p:handoutMasterId r:id="rId8"/>
   </p:handoutMasterIdLst>
   <p:sldIdLst>
-    <p:sldId id="269" r:id="rId2"/>
-    <p:sldId id="270" r:id="rId3"/>
-    <p:sldId id="271" r:id="rId4"/>
-    <p:sldId id="272" r:id="rId5"/>
+    <p:sldId id="273" r:id="rId2"/>
+    <p:sldId id="269" r:id="rId3"/>
+    <p:sldId id="270" r:id="rId4"/>
+    <p:sldId id="271" r:id="rId5"/>
+    <p:sldId id="272" r:id="rId6"/>
   </p:sldIdLst>
   <p:sldSz cx="12192000" cy="6858000"/>
   <p:notesSz cx="6858000" cy="9144000"/>
@@ -3675,6 +3676,92 @@
           <a:chExt cx="0" cy="0"/>
         </a:xfrm>
       </p:grpSpPr>
+      <p:sp>
+        <p:nvSpPr>
+          <p:cNvPr id="3" name="TextBox 2"/>
+          <p:cNvSpPr txBox="1"/>
+          <p:nvPr/>
+        </p:nvSpPr>
+        <p:spPr>
+          <a:xfrm>
+            <a:off x="1246908" y="2701638"/>
+            <a:ext cx="10149841" cy="523220"/>
+          </a:xfrm>
+          <a:prstGeom prst="rect">
+            <a:avLst/>
+          </a:prstGeom>
+          <a:noFill/>
+        </p:spPr>
+        <p:txBody>
+          <a:bodyPr wrap="square" rtlCol="0">
+            <a:spAutoFit/>
+          </a:bodyPr>
+          <a:lstStyle/>
+          <a:p>
+            <a:pPr algn="ctr"/>
+            <a:r>
+              <a:rPr lang="en-IE" sz="2800" b="1" dirty="0" smtClean="0">
+                <a:solidFill>
+                  <a:schemeClr val="accent1"/>
+                </a:solidFill>
+                <a:latin typeface="+mj-lt"/>
+              </a:rPr>
+              <a:t>Requirements Specifications and Product Backlog</a:t>
+            </a:r>
+            <a:endParaRPr lang="en-IE" sz="2800" b="1" dirty="0">
+              <a:solidFill>
+                <a:schemeClr val="accent1"/>
+              </a:solidFill>
+              <a:latin typeface="+mj-lt"/>
+            </a:endParaRPr>
+          </a:p>
+        </p:txBody>
+      </p:sp>
+    </p:spTree>
+    <p:custDataLst>
+      <p:tags r:id="rId1"/>
+    </p:custDataLst>
+    <p:extLst>
+      <p:ext uri="{BB962C8B-B14F-4D97-AF65-F5344CB8AC3E}">
+        <p14:creationId xmlns:p14="http://schemas.microsoft.com/office/powerpoint/2010/main" val="417628527"/>
+      </p:ext>
+    </p:extLst>
+  </p:cSld>
+  <p:clrMapOvr>
+    <a:masterClrMapping/>
+  </p:clrMapOvr>
+  <mc:AlternateContent xmlns:mc="http://schemas.openxmlformats.org/markup-compatibility/2006" xmlns:p14="http://schemas.microsoft.com/office/powerpoint/2010/main">
+    <mc:Choice Requires="p14">
+      <p:transition spd="med" p14:dur="700">
+        <p:fade/>
+      </p:transition>
+    </mc:Choice>
+    <mc:Fallback xmlns="">
+      <p:transition spd="med">
+        <p:fade/>
+      </p:transition>
+    </mc:Fallback>
+  </mc:AlternateContent>
+</p:sld>
+</file>
+
+<file path=ppt/slides/slide2.xml><?xml version="1.0" encoding="utf-8"?>
+<p:sld xmlns:a="http://schemas.openxmlformats.org/drawingml/2006/main" xmlns:r="http://schemas.openxmlformats.org/officeDocument/2006/relationships" xmlns:p="http://schemas.openxmlformats.org/presentationml/2006/main">
+  <p:cSld>
+    <p:spTree>
+      <p:nvGrpSpPr>
+        <p:cNvPr id="1" name=""/>
+        <p:cNvGrpSpPr/>
+        <p:nvPr/>
+      </p:nvGrpSpPr>
+      <p:grpSpPr>
+        <a:xfrm>
+          <a:off x="0" y="0"/>
+          <a:ext cx="0" cy="0"/>
+          <a:chOff x="0" y="0"/>
+          <a:chExt cx="0" cy="0"/>
+        </a:xfrm>
+      </p:grpSpPr>
       <p:graphicFrame>
         <p:nvGraphicFramePr>
           <p:cNvPr id="2" name="Table 1"/>
@@ -4636,7 +4723,7 @@
 </p:sld>
 </file>
 
-<file path=ppt/slides/slide2.xml><?xml version="1.0" encoding="utf-8"?>
+<file path=ppt/slides/slide3.xml><?xml version="1.0" encoding="utf-8"?>
 <p:sld xmlns:a="http://schemas.openxmlformats.org/drawingml/2006/main" xmlns:r="http://schemas.openxmlformats.org/officeDocument/2006/relationships" xmlns:p="http://schemas.openxmlformats.org/presentationml/2006/main">
   <p:cSld>
     <p:spTree>
@@ -5500,7 +5587,7 @@
 </p:sld>
 </file>
 
-<file path=ppt/slides/slide3.xml><?xml version="1.0" encoding="utf-8"?>
+<file path=ppt/slides/slide4.xml><?xml version="1.0" encoding="utf-8"?>
 <p:sld xmlns:a="http://schemas.openxmlformats.org/drawingml/2006/main" xmlns:r="http://schemas.openxmlformats.org/officeDocument/2006/relationships" xmlns:p="http://schemas.openxmlformats.org/presentationml/2006/main">
   <p:cSld>
     <p:spTree>
@@ -6765,7 +6852,7 @@
 </p:sld>
 </file>
 
-<file path=ppt/slides/slide4.xml><?xml version="1.0" encoding="utf-8"?>
+<file path=ppt/slides/slide5.xml><?xml version="1.0" encoding="utf-8"?>
 <p:sld xmlns:a="http://schemas.openxmlformats.org/drawingml/2006/main" xmlns:r="http://schemas.openxmlformats.org/officeDocument/2006/relationships" xmlns:p="http://schemas.openxmlformats.org/presentationml/2006/main">
   <p:cSld>
     <p:spTree>
@@ -7991,6 +8078,13 @@
 </file>
 
 <file path=ppt/tags/tag4.xml><?xml version="1.0" encoding="utf-8"?>
+<p:tagLst xmlns:a="http://schemas.openxmlformats.org/drawingml/2006/main" xmlns:r="http://schemas.openxmlformats.org/officeDocument/2006/relationships" xmlns:p="http://schemas.openxmlformats.org/presentationml/2006/main">
+  <p:tag name="POINTS" val="1"/>
+  <p:tag name="TIME" val="15"/>
+</p:tagLst>
+</file>
+
+<file path=ppt/tags/tag5.xml><?xml version="1.0" encoding="utf-8"?>
 <p:tagLst xmlns:a="http://schemas.openxmlformats.org/drawingml/2006/main" xmlns:r="http://schemas.openxmlformats.org/officeDocument/2006/relationships" xmlns:p="http://schemas.openxmlformats.org/presentationml/2006/main">
   <p:tag name="POINTS" val="1"/>
   <p:tag name="TIME" val="15"/>
